--- a/Modelaje/Presentacion.pptx
+++ b/Modelaje/Presentacion.pptx
@@ -12,9 +12,9 @@
   </p:handoutMasterIdLst>
   <p:sldIdLst>
     <p:sldId id="283" r:id="rId5"/>
-    <p:sldId id="280" r:id="rId6"/>
-    <p:sldId id="281" r:id="rId7"/>
-    <p:sldId id="282" r:id="rId8"/>
+    <p:sldId id="281" r:id="rId6"/>
+    <p:sldId id="282" r:id="rId7"/>
+    <p:sldId id="280" r:id="rId8"/>
   </p:sldIdLst>
   <p:sldSz cx="12192000" cy="6858000"/>
   <p:notesSz cx="6858000" cy="9144000"/>
@@ -813,7 +813,7 @@
           <a:p>
             <a:r>
               <a:rPr lang="es-ES" dirty="0"/>
-              <a:t>Responsive en móviles,</a:t>
+              <a:t>También administran sus datos</a:t>
             </a:r>
           </a:p>
         </p:txBody>
@@ -836,7 +836,7 @@
             <a:pPr rtl="0"/>
             <a:fld id="{F5B62BC0-7DC4-4569-951D-2BB9475345C6}" type="slidenum">
               <a:rPr lang="es-ES" noProof="0" smtClean="0"/>
-              <a:t>2</a:t>
+              <a:t>3</a:t>
             </a:fld>
             <a:endParaRPr lang="es-ES" noProof="0"/>
           </a:p>
@@ -845,7 +845,7 @@
     </p:spTree>
     <p:extLst>
       <p:ext uri="{BB962C8B-B14F-4D97-AF65-F5344CB8AC3E}">
-        <p14:creationId xmlns:p14="http://schemas.microsoft.com/office/powerpoint/2010/main" val="3295276516"/>
+        <p14:creationId xmlns:p14="http://schemas.microsoft.com/office/powerpoint/2010/main" val="841581145"/>
       </p:ext>
     </p:extLst>
   </p:cSld>
@@ -901,7 +901,7 @@
           <a:p>
             <a:r>
               <a:rPr lang="es-ES" dirty="0"/>
-              <a:t>También administran sus datos</a:t>
+              <a:t>Responsive en móviles,</a:t>
             </a:r>
           </a:p>
         </p:txBody>
@@ -933,7 +933,7 @@
     </p:spTree>
     <p:extLst>
       <p:ext uri="{BB962C8B-B14F-4D97-AF65-F5344CB8AC3E}">
-        <p14:creationId xmlns:p14="http://schemas.microsoft.com/office/powerpoint/2010/main" val="841581145"/>
+        <p14:creationId xmlns:p14="http://schemas.microsoft.com/office/powerpoint/2010/main" val="3295276516"/>
       </p:ext>
     </p:extLst>
   </p:cSld>
@@ -19395,13 +19395,13 @@
   <p:clrMapOvr>
     <a:masterClrMapping/>
   </p:clrMapOvr>
-  <mc:AlternateContent xmlns:mc="http://schemas.openxmlformats.org/markup-compatibility/2006">
-    <mc:Choice xmlns:p14="http://schemas.microsoft.com/office/powerpoint/2010/main" Requires="p14">
+  <mc:AlternateContent xmlns:mc="http://schemas.openxmlformats.org/markup-compatibility/2006" xmlns:p14="http://schemas.microsoft.com/office/powerpoint/2010/main">
+    <mc:Choice Requires="p14">
       <p:transition spd="med" p14:dur="700">
         <p:fade/>
       </p:transition>
     </mc:Choice>
-    <mc:Fallback>
+    <mc:Fallback xmlns="">
       <p:transition spd="med">
         <p:fade/>
       </p:transition>
@@ -19654,436 +19654,6 @@
         <p:cNvPr id="1" name="">
           <a:extLst>
             <a:ext uri="{FF2B5EF4-FFF2-40B4-BE49-F238E27FC236}">
-              <a16:creationId xmlns:a16="http://schemas.microsoft.com/office/drawing/2014/main" id="{C1B2BF5F-D200-5DC3-6AA5-73057AE7DE70}"/>
-            </a:ext>
-          </a:extLst>
-        </p:cNvPr>
-        <p:cNvGrpSpPr/>
-        <p:nvPr/>
-      </p:nvGrpSpPr>
-      <p:grpSpPr>
-        <a:xfrm>
-          <a:off x="0" y="0"/>
-          <a:ext cx="0" cy="0"/>
-          <a:chOff x="0" y="0"/>
-          <a:chExt cx="0" cy="0"/>
-        </a:xfrm>
-      </p:grpSpPr>
-      <p:sp>
-        <p:nvSpPr>
-          <p:cNvPr id="2" name="Título 1">
-            <a:extLst>
-              <a:ext uri="{FF2B5EF4-FFF2-40B4-BE49-F238E27FC236}">
-                <a16:creationId xmlns:a16="http://schemas.microsoft.com/office/drawing/2014/main" id="{52699474-98B1-C5AB-25BF-D34E8B3D6EDC}"/>
-              </a:ext>
-            </a:extLst>
-          </p:cNvPr>
-          <p:cNvSpPr>
-            <a:spLocks noGrp="1"/>
-          </p:cNvSpPr>
-          <p:nvPr>
-            <p:ph type="title"/>
-          </p:nvPr>
-        </p:nvSpPr>
-        <p:spPr>
-          <a:xfrm>
-            <a:off x="2994349" y="376354"/>
-            <a:ext cx="6203302" cy="607969"/>
-          </a:xfrm>
-        </p:spPr>
-        <p:txBody>
-          <a:bodyPr anchor="ctr">
-            <a:noAutofit/>
-          </a:bodyPr>
-          <a:lstStyle/>
-          <a:p>
-            <a:r>
-              <a:rPr lang="es-ES" sz="3600"/>
-              <a:t>El Hogar de las fundas</a:t>
-            </a:r>
-            <a:endParaRPr lang="es-ES" sz="3600" dirty="0"/>
-          </a:p>
-        </p:txBody>
-      </p:sp>
-      <p:sp>
-        <p:nvSpPr>
-          <p:cNvPr id="16" name="Text Placeholder 2">
-            <a:extLst>
-              <a:ext uri="{FF2B5EF4-FFF2-40B4-BE49-F238E27FC236}">
-                <a16:creationId xmlns:a16="http://schemas.microsoft.com/office/drawing/2014/main" id="{9F2D3181-B9E3-028C-45D1-1A169475C26F}"/>
-              </a:ext>
-            </a:extLst>
-          </p:cNvPr>
-          <p:cNvSpPr>
-            <a:spLocks noGrp="1"/>
-          </p:cNvSpPr>
-          <p:nvPr>
-            <p:ph type="body" sz="quarter" idx="33"/>
-          </p:nvPr>
-        </p:nvSpPr>
-        <p:spPr>
-          <a:xfrm>
-            <a:off x="3058170" y="1072942"/>
-            <a:ext cx="6075659" cy="568896"/>
-          </a:xfrm>
-        </p:spPr>
-        <p:txBody>
-          <a:bodyPr anchor="ctr">
-            <a:noAutofit/>
-          </a:bodyPr>
-          <a:lstStyle/>
-          <a:p>
-            <a:r>
-              <a:rPr lang="es-ES" sz="2800"/>
-              <a:t>Características para los </a:t>
-            </a:r>
-            <a:r>
-              <a:rPr lang="es-ES" sz="2800" b="1"/>
-              <a:t>clientes</a:t>
-            </a:r>
-            <a:endParaRPr lang="es-ES" sz="2800" b="1" dirty="0"/>
-          </a:p>
-        </p:txBody>
-      </p:sp>
-      <p:sp>
-        <p:nvSpPr>
-          <p:cNvPr id="18" name="Text Placeholder 3">
-            <a:extLst>
-              <a:ext uri="{FF2B5EF4-FFF2-40B4-BE49-F238E27FC236}">
-                <a16:creationId xmlns:a16="http://schemas.microsoft.com/office/drawing/2014/main" id="{1423FC9A-F777-D6C1-8809-203BF890A3F8}"/>
-              </a:ext>
-            </a:extLst>
-          </p:cNvPr>
-          <p:cNvSpPr>
-            <a:spLocks noGrp="1"/>
-          </p:cNvSpPr>
-          <p:nvPr>
-            <p:ph type="body" sz="quarter" idx="34"/>
-          </p:nvPr>
-        </p:nvSpPr>
-        <p:spPr>
-          <a:xfrm>
-            <a:off x="910838" y="2286001"/>
-            <a:ext cx="4749801" cy="727082"/>
-          </a:xfrm>
-        </p:spPr>
-        <p:txBody>
-          <a:bodyPr>
-            <a:normAutofit/>
-          </a:bodyPr>
-          <a:lstStyle/>
-          <a:p>
-            <a:r>
-              <a:rPr lang="es-ES" sz="2800"/>
-              <a:t>Administración</a:t>
-            </a:r>
-            <a:r>
-              <a:rPr lang="en-US" sz="2800"/>
-              <a:t> de </a:t>
-            </a:r>
-            <a:r>
-              <a:rPr lang="es-ES" sz="2800"/>
-              <a:t>datos</a:t>
-            </a:r>
-            <a:endParaRPr lang="es-ES" sz="2800" dirty="0"/>
-          </a:p>
-        </p:txBody>
-      </p:sp>
-      <p:sp>
-        <p:nvSpPr>
-          <p:cNvPr id="20" name="Text Placeholder 4">
-            <a:extLst>
-              <a:ext uri="{FF2B5EF4-FFF2-40B4-BE49-F238E27FC236}">
-                <a16:creationId xmlns:a16="http://schemas.microsoft.com/office/drawing/2014/main" id="{B1543B21-8187-BAC1-0090-CC71E1A1B7EA}"/>
-              </a:ext>
-            </a:extLst>
-          </p:cNvPr>
-          <p:cNvSpPr>
-            <a:spLocks noGrp="1"/>
-          </p:cNvSpPr>
-          <p:nvPr>
-            <p:ph type="body" sz="quarter" idx="25"/>
-          </p:nvPr>
-        </p:nvSpPr>
-        <p:spPr>
-          <a:xfrm>
-            <a:off x="7028550" y="2286001"/>
-            <a:ext cx="4252612" cy="568896"/>
-          </a:xfrm>
-        </p:spPr>
-        <p:txBody>
-          <a:bodyPr>
-            <a:normAutofit/>
-          </a:bodyPr>
-          <a:lstStyle/>
-          <a:p>
-            <a:r>
-              <a:rPr lang="es-ES" sz="2800"/>
-              <a:t>Modo oscuro</a:t>
-            </a:r>
-            <a:endParaRPr lang="es-ES" sz="2800" dirty="0"/>
-          </a:p>
-        </p:txBody>
-      </p:sp>
-      <p:pic>
-        <p:nvPicPr>
-          <p:cNvPr id="11" name="Marcador de posición de imagen 10" descr="Captura de pantalla de un celular&#10;&#10;Descripción generada automáticamente">
-            <a:extLst>
-              <a:ext uri="{FF2B5EF4-FFF2-40B4-BE49-F238E27FC236}">
-                <a16:creationId xmlns:a16="http://schemas.microsoft.com/office/drawing/2014/main" id="{DCFD2E01-3BD7-53CC-5B82-1907CE2EAD8A}"/>
-              </a:ext>
-            </a:extLst>
-          </p:cNvPr>
-          <p:cNvPicPr>
-            <a:picLocks noGrp="1" noChangeAspect="1"/>
-          </p:cNvPicPr>
-          <p:nvPr>
-            <p:ph sz="quarter" idx="35"/>
-          </p:nvPr>
-        </p:nvPicPr>
-        <p:blipFill rotWithShape="1">
-          <a:blip r:embed="rId3"/>
-          <a:srcRect r="4" b="16638"/>
-          <a:stretch/>
-        </p:blipFill>
-        <p:spPr>
-          <a:xfrm>
-            <a:off x="601286" y="2818306"/>
-            <a:ext cx="5255681" cy="3066985"/>
-          </a:xfrm>
-          <a:prstGeom prst="roundRect">
-            <a:avLst>
-              <a:gd name="adj" fmla="val 8594"/>
-            </a:avLst>
-          </a:prstGeom>
-          <a:solidFill>
-            <a:srgbClr val="FFFFFF">
-              <a:shade val="85000"/>
-            </a:srgbClr>
-          </a:solidFill>
-          <a:ln>
-            <a:noFill/>
-          </a:ln>
-          <a:effectLst>
-            <a:reflection blurRad="12700" stA="38000" endPos="20000" dist="5000" dir="5400000" sy="-100000" algn="bl" rotWithShape="0"/>
-          </a:effectLst>
-        </p:spPr>
-      </p:pic>
-      <p:pic>
-        <p:nvPicPr>
-          <p:cNvPr id="13" name="Marcador de contenido 12" descr="Interfaz de usuario gráfica, Texto, Aplicación&#10;&#10;Descripción generada automáticamente">
-            <a:extLst>
-              <a:ext uri="{FF2B5EF4-FFF2-40B4-BE49-F238E27FC236}">
-                <a16:creationId xmlns:a16="http://schemas.microsoft.com/office/drawing/2014/main" id="{2910CF3F-4F58-D794-B9F7-91B19C49449A}"/>
-              </a:ext>
-            </a:extLst>
-          </p:cNvPr>
-          <p:cNvPicPr>
-            <a:picLocks noGrp="1" noChangeAspect="1"/>
-          </p:cNvPicPr>
-          <p:nvPr>
-            <p:ph sz="quarter" idx="36"/>
-          </p:nvPr>
-        </p:nvPicPr>
-        <p:blipFill rotWithShape="1">
-          <a:blip r:embed="rId4"/>
-          <a:srcRect t="4948" r="4" b="3447"/>
-          <a:stretch/>
-        </p:blipFill>
-        <p:spPr>
-          <a:xfrm>
-            <a:off x="6600664" y="2659068"/>
-            <a:ext cx="4988876" cy="3382023"/>
-          </a:xfrm>
-          <a:prstGeom prst="roundRect">
-            <a:avLst>
-              <a:gd name="adj" fmla="val 16391"/>
-            </a:avLst>
-          </a:prstGeom>
-          <a:ln>
-            <a:noFill/>
-          </a:ln>
-          <a:effectLst>
-            <a:outerShdw blurRad="152400" dist="12000" dir="900000" sy="98000" kx="110000" ky="200000" algn="tl" rotWithShape="0">
-              <a:srgbClr val="000000">
-                <a:alpha val="30000"/>
-              </a:srgbClr>
-            </a:outerShdw>
-          </a:effectLst>
-          <a:scene3d>
-            <a:camera prst="perspectiveRelaxed">
-              <a:rot lat="19800000" lon="1200000" rev="20820000"/>
-            </a:camera>
-            <a:lightRig rig="threePt" dir="t"/>
-          </a:scene3d>
-          <a:sp3d contourW="6350" prstMaterial="matte">
-            <a:bevelT w="101600" h="101600"/>
-            <a:contourClr>
-              <a:srgbClr val="969696"/>
-            </a:contourClr>
-          </a:sp3d>
-        </p:spPr>
-      </p:pic>
-      <p:sp>
-        <p:nvSpPr>
-          <p:cNvPr id="5" name="Marcador de fecha 4">
-            <a:extLst>
-              <a:ext uri="{FF2B5EF4-FFF2-40B4-BE49-F238E27FC236}">
-                <a16:creationId xmlns:a16="http://schemas.microsoft.com/office/drawing/2014/main" id="{41A7006E-811B-F796-EBCE-82B10D81FB73}"/>
-              </a:ext>
-            </a:extLst>
-          </p:cNvPr>
-          <p:cNvSpPr>
-            <a:spLocks noGrp="1"/>
-          </p:cNvSpPr>
-          <p:nvPr>
-            <p:ph type="dt" sz="half" idx="10"/>
-          </p:nvPr>
-        </p:nvSpPr>
-        <p:spPr>
-          <a:xfrm>
-            <a:off x="838200" y="6356350"/>
-            <a:ext cx="2743200" cy="365125"/>
-          </a:xfrm>
-        </p:spPr>
-        <p:txBody>
-          <a:bodyPr anchor="ctr">
-            <a:normAutofit/>
-          </a:bodyPr>
-          <a:lstStyle/>
-          <a:p>
-            <a:pPr rtl="0">
-              <a:spcAft>
-                <a:spcPts val="600"/>
-              </a:spcAft>
-            </a:pPr>
-            <a:r>
-              <a:rPr lang="es-ES" noProof="0" dirty="0"/>
-              <a:t>Proyecto Integrador 23-24</a:t>
-            </a:r>
-          </a:p>
-        </p:txBody>
-      </p:sp>
-      <p:sp>
-        <p:nvSpPr>
-          <p:cNvPr id="6" name="Marcador de pie de página 5">
-            <a:extLst>
-              <a:ext uri="{FF2B5EF4-FFF2-40B4-BE49-F238E27FC236}">
-                <a16:creationId xmlns:a16="http://schemas.microsoft.com/office/drawing/2014/main" id="{6D0892CD-D04A-C992-6073-7866CDF4F848}"/>
-              </a:ext>
-            </a:extLst>
-          </p:cNvPr>
-          <p:cNvSpPr>
-            <a:spLocks noGrp="1"/>
-          </p:cNvSpPr>
-          <p:nvPr>
-            <p:ph type="ftr" sz="quarter" idx="11"/>
-          </p:nvPr>
-        </p:nvSpPr>
-        <p:spPr>
-          <a:xfrm>
-            <a:off x="4038600" y="6356350"/>
-            <a:ext cx="4114800" cy="365125"/>
-          </a:xfrm>
-        </p:spPr>
-        <p:txBody>
-          <a:bodyPr anchor="ctr">
-            <a:normAutofit/>
-          </a:bodyPr>
-          <a:lstStyle/>
-          <a:p>
-            <a:pPr rtl="0">
-              <a:spcAft>
-                <a:spcPts val="600"/>
-              </a:spcAft>
-            </a:pPr>
-            <a:r>
-              <a:rPr lang="es-ES" noProof="0" dirty="0"/>
-              <a:t>Presentación de lanzamiento</a:t>
-            </a:r>
-            <a:endParaRPr lang="es-ES" noProof="0"/>
-          </a:p>
-        </p:txBody>
-      </p:sp>
-      <p:sp>
-        <p:nvSpPr>
-          <p:cNvPr id="7" name="Marcador de número de diapositiva 6">
-            <a:extLst>
-              <a:ext uri="{FF2B5EF4-FFF2-40B4-BE49-F238E27FC236}">
-                <a16:creationId xmlns:a16="http://schemas.microsoft.com/office/drawing/2014/main" id="{85A04B8A-5DB4-587E-FFF0-29935287E1A1}"/>
-              </a:ext>
-            </a:extLst>
-          </p:cNvPr>
-          <p:cNvSpPr>
-            <a:spLocks noGrp="1"/>
-          </p:cNvSpPr>
-          <p:nvPr>
-            <p:ph type="sldNum" sz="quarter" idx="12"/>
-          </p:nvPr>
-        </p:nvSpPr>
-        <p:spPr>
-          <a:xfrm>
-            <a:off x="8610600" y="6356350"/>
-            <a:ext cx="2743200" cy="365125"/>
-          </a:xfrm>
-        </p:spPr>
-        <p:txBody>
-          <a:bodyPr anchor="ctr">
-            <a:normAutofit/>
-          </a:bodyPr>
-          <a:lstStyle/>
-          <a:p>
-            <a:pPr rtl="0">
-              <a:spcAft>
-                <a:spcPts val="600"/>
-              </a:spcAft>
-            </a:pPr>
-            <a:fld id="{EA87306C-81BA-4795-A5CA-9392456A8C1E}" type="slidenum">
-              <a:rPr lang="es-ES" noProof="0" smtClean="0"/>
-              <a:pPr rtl="0">
-                <a:spcAft>
-                  <a:spcPts val="600"/>
-                </a:spcAft>
-              </a:pPr>
-              <a:t>2</a:t>
-            </a:fld>
-            <a:endParaRPr lang="es-ES" noProof="0"/>
-          </a:p>
-        </p:txBody>
-      </p:sp>
-    </p:spTree>
-    <p:extLst>
-      <p:ext uri="{BB962C8B-B14F-4D97-AF65-F5344CB8AC3E}">
-        <p14:creationId xmlns:p14="http://schemas.microsoft.com/office/powerpoint/2010/main" val="1757595834"/>
-      </p:ext>
-    </p:extLst>
-  </p:cSld>
-  <p:clrMapOvr>
-    <a:masterClrMapping/>
-  </p:clrMapOvr>
-  <mc:AlternateContent xmlns:mc="http://schemas.openxmlformats.org/markup-compatibility/2006">
-    <mc:Choice xmlns:p14="http://schemas.microsoft.com/office/powerpoint/2010/main" Requires="p14">
-      <p:transition spd="slow" p14:dur="1250">
-        <p14:reveal/>
-      </p:transition>
-    </mc:Choice>
-    <mc:Fallback>
-      <p:transition spd="slow">
-        <p:fade/>
-      </p:transition>
-    </mc:Fallback>
-  </mc:AlternateContent>
-</p:sld>
-</file>
-
-<file path=ppt/slides/slide3.xml><?xml version="1.0" encoding="utf-8"?>
-<p:sld xmlns:a="http://schemas.openxmlformats.org/drawingml/2006/main" xmlns:r="http://schemas.openxmlformats.org/officeDocument/2006/relationships" xmlns:p="http://schemas.openxmlformats.org/presentationml/2006/main">
-  <p:cSld>
-    <p:spTree>
-      <p:nvGrpSpPr>
-        <p:cNvPr id="1" name="">
-          <a:extLst>
-            <a:ext uri="{FF2B5EF4-FFF2-40B4-BE49-F238E27FC236}">
               <a16:creationId xmlns:a16="http://schemas.microsoft.com/office/drawing/2014/main" id="{CAF06AFA-4A14-DACC-DB1E-858A0078694B}"/>
             </a:ext>
           </a:extLst>
@@ -20434,7 +20004,7 @@
                   <a:spcPts val="600"/>
                 </a:spcAft>
               </a:pPr>
-              <a:t>3</a:t>
+              <a:t>2</a:t>
             </a:fld>
             <a:endParaRPr lang="es-ES" noProof="0"/>
           </a:p>
@@ -20493,13 +20063,13 @@
   <p:clrMapOvr>
     <a:masterClrMapping/>
   </p:clrMapOvr>
-  <mc:AlternateContent xmlns:mc="http://schemas.openxmlformats.org/markup-compatibility/2006">
-    <mc:Choice xmlns:p14="http://schemas.microsoft.com/office/powerpoint/2010/main" Requires="p14">
+  <mc:AlternateContent xmlns:mc="http://schemas.openxmlformats.org/markup-compatibility/2006" xmlns:p14="http://schemas.microsoft.com/office/powerpoint/2010/main">
+    <mc:Choice Requires="p14">
       <p:transition spd="slow" p14:dur="1250">
         <p14:reveal/>
       </p:transition>
     </mc:Choice>
-    <mc:Fallback>
+    <mc:Fallback xmlns="">
       <p:transition spd="slow">
         <p:fade/>
       </p:transition>
@@ -20508,7 +20078,7 @@
 </p:sld>
 </file>
 
-<file path=ppt/slides/slide4.xml><?xml version="1.0" encoding="utf-8"?>
+<file path=ppt/slides/slide3.xml><?xml version="1.0" encoding="utf-8"?>
 <p:sld xmlns:a="http://schemas.openxmlformats.org/drawingml/2006/main" xmlns:r="http://schemas.openxmlformats.org/officeDocument/2006/relationships" xmlns:p="http://schemas.openxmlformats.org/presentationml/2006/main">
   <p:cSld>
     <p:spTree>
@@ -20631,7 +20201,7 @@
         </p:spPr>
         <p:txBody>
           <a:bodyPr>
-            <a:normAutofit/>
+            <a:normAutofit fontScale="92500"/>
           </a:bodyPr>
           <a:lstStyle/>
           <a:p>
@@ -20800,7 +20370,7 @@
                   <a:spcPts val="600"/>
                 </a:spcAft>
               </a:pPr>
-              <a:t>4</a:t>
+              <a:t>3</a:t>
             </a:fld>
             <a:endParaRPr lang="es-ES" noProof="0"/>
           </a:p>
@@ -20910,18 +20480,1247 @@
   <p:clrMapOvr>
     <a:masterClrMapping/>
   </p:clrMapOvr>
-  <mc:AlternateContent xmlns:mc="http://schemas.openxmlformats.org/markup-compatibility/2006">
-    <mc:Choice xmlns:p14="http://schemas.microsoft.com/office/powerpoint/2010/main" Requires="p14">
+  <mc:AlternateContent xmlns:mc="http://schemas.openxmlformats.org/markup-compatibility/2006" xmlns:p14="http://schemas.microsoft.com/office/powerpoint/2010/main">
+    <mc:Choice Requires="p14">
       <p:transition spd="slow" p14:dur="1250">
         <p14:reveal/>
       </p:transition>
     </mc:Choice>
-    <mc:Fallback>
+    <mc:Fallback xmlns="">
       <p:transition spd="slow">
         <p:fade/>
       </p:transition>
     </mc:Fallback>
   </mc:AlternateContent>
+</p:sld>
+</file>
+
+<file path=ppt/slides/slide4.xml><?xml version="1.0" encoding="utf-8"?>
+<p:sld xmlns:a="http://schemas.openxmlformats.org/drawingml/2006/main" xmlns:r="http://schemas.openxmlformats.org/officeDocument/2006/relationships" xmlns:p="http://schemas.openxmlformats.org/presentationml/2006/main">
+  <p:cSld>
+    <p:spTree>
+      <p:nvGrpSpPr>
+        <p:cNvPr id="1" name="">
+          <a:extLst>
+            <a:ext uri="{FF2B5EF4-FFF2-40B4-BE49-F238E27FC236}">
+              <a16:creationId xmlns:a16="http://schemas.microsoft.com/office/drawing/2014/main" id="{C1B2BF5F-D200-5DC3-6AA5-73057AE7DE70}"/>
+            </a:ext>
+          </a:extLst>
+        </p:cNvPr>
+        <p:cNvGrpSpPr/>
+        <p:nvPr/>
+      </p:nvGrpSpPr>
+      <p:grpSpPr>
+        <a:xfrm>
+          <a:off x="0" y="0"/>
+          <a:ext cx="0" cy="0"/>
+          <a:chOff x="0" y="0"/>
+          <a:chExt cx="0" cy="0"/>
+        </a:xfrm>
+      </p:grpSpPr>
+      <p:sp>
+        <p:nvSpPr>
+          <p:cNvPr id="2" name="Título 1">
+            <a:extLst>
+              <a:ext uri="{FF2B5EF4-FFF2-40B4-BE49-F238E27FC236}">
+                <a16:creationId xmlns:a16="http://schemas.microsoft.com/office/drawing/2014/main" id="{52699474-98B1-C5AB-25BF-D34E8B3D6EDC}"/>
+              </a:ext>
+            </a:extLst>
+          </p:cNvPr>
+          <p:cNvSpPr>
+            <a:spLocks noGrp="1"/>
+          </p:cNvSpPr>
+          <p:nvPr>
+            <p:ph type="title"/>
+          </p:nvPr>
+        </p:nvSpPr>
+        <p:spPr>
+          <a:xfrm>
+            <a:off x="2994349" y="376354"/>
+            <a:ext cx="6203302" cy="607969"/>
+          </a:xfrm>
+        </p:spPr>
+        <p:txBody>
+          <a:bodyPr anchor="ctr">
+            <a:noAutofit/>
+          </a:bodyPr>
+          <a:lstStyle/>
+          <a:p>
+            <a:r>
+              <a:rPr lang="es-ES" sz="3600" dirty="0"/>
+              <a:t>El Hogar de las fundas</a:t>
+            </a:r>
+          </a:p>
+        </p:txBody>
+      </p:sp>
+      <p:sp>
+        <p:nvSpPr>
+          <p:cNvPr id="16" name="Text Placeholder 2">
+            <a:extLst>
+              <a:ext uri="{FF2B5EF4-FFF2-40B4-BE49-F238E27FC236}">
+                <a16:creationId xmlns:a16="http://schemas.microsoft.com/office/drawing/2014/main" id="{9F2D3181-B9E3-028C-45D1-1A169475C26F}"/>
+              </a:ext>
+            </a:extLst>
+          </p:cNvPr>
+          <p:cNvSpPr>
+            <a:spLocks noGrp="1"/>
+          </p:cNvSpPr>
+          <p:nvPr>
+            <p:ph type="body" sz="quarter" idx="33"/>
+          </p:nvPr>
+        </p:nvSpPr>
+        <p:spPr>
+          <a:xfrm>
+            <a:off x="3058170" y="1072942"/>
+            <a:ext cx="6075659" cy="568896"/>
+          </a:xfrm>
+        </p:spPr>
+        <p:txBody>
+          <a:bodyPr anchor="ctr">
+            <a:noAutofit/>
+          </a:bodyPr>
+          <a:lstStyle/>
+          <a:p>
+            <a:r>
+              <a:rPr lang="es-ES" sz="2800" dirty="0"/>
+              <a:t>Características para los </a:t>
+            </a:r>
+            <a:r>
+              <a:rPr lang="es-ES" sz="2800" b="1" dirty="0"/>
+              <a:t>clientes</a:t>
+            </a:r>
+          </a:p>
+        </p:txBody>
+      </p:sp>
+      <p:sp>
+        <p:nvSpPr>
+          <p:cNvPr id="18" name="Text Placeholder 3">
+            <a:extLst>
+              <a:ext uri="{FF2B5EF4-FFF2-40B4-BE49-F238E27FC236}">
+                <a16:creationId xmlns:a16="http://schemas.microsoft.com/office/drawing/2014/main" id="{1423FC9A-F777-D6C1-8809-203BF890A3F8}"/>
+              </a:ext>
+            </a:extLst>
+          </p:cNvPr>
+          <p:cNvSpPr>
+            <a:spLocks noGrp="1"/>
+          </p:cNvSpPr>
+          <p:nvPr>
+            <p:ph type="body" sz="quarter" idx="34"/>
+          </p:nvPr>
+        </p:nvSpPr>
+        <p:spPr>
+          <a:xfrm>
+            <a:off x="910838" y="2286001"/>
+            <a:ext cx="4749801" cy="727082"/>
+          </a:xfrm>
+        </p:spPr>
+        <p:txBody>
+          <a:bodyPr>
+            <a:normAutofit/>
+          </a:bodyPr>
+          <a:lstStyle/>
+          <a:p>
+            <a:r>
+              <a:rPr lang="es-ES" sz="2800"/>
+              <a:t>Administración</a:t>
+            </a:r>
+            <a:r>
+              <a:rPr lang="en-US" sz="2800"/>
+              <a:t> de </a:t>
+            </a:r>
+            <a:r>
+              <a:rPr lang="es-ES" sz="2800"/>
+              <a:t>datos</a:t>
+            </a:r>
+            <a:endParaRPr lang="es-ES" sz="2800" dirty="0"/>
+          </a:p>
+        </p:txBody>
+      </p:sp>
+      <p:sp>
+        <p:nvSpPr>
+          <p:cNvPr id="20" name="Text Placeholder 4">
+            <a:extLst>
+              <a:ext uri="{FF2B5EF4-FFF2-40B4-BE49-F238E27FC236}">
+                <a16:creationId xmlns:a16="http://schemas.microsoft.com/office/drawing/2014/main" id="{B1543B21-8187-BAC1-0090-CC71E1A1B7EA}"/>
+              </a:ext>
+            </a:extLst>
+          </p:cNvPr>
+          <p:cNvSpPr>
+            <a:spLocks noGrp="1"/>
+          </p:cNvSpPr>
+          <p:nvPr>
+            <p:ph type="body" sz="quarter" idx="25"/>
+          </p:nvPr>
+        </p:nvSpPr>
+        <p:spPr>
+          <a:xfrm>
+            <a:off x="7028550" y="2286001"/>
+            <a:ext cx="4252612" cy="568896"/>
+          </a:xfrm>
+        </p:spPr>
+        <p:txBody>
+          <a:bodyPr>
+            <a:normAutofit/>
+          </a:bodyPr>
+          <a:lstStyle/>
+          <a:p>
+            <a:r>
+              <a:rPr lang="es-ES" sz="2800"/>
+              <a:t>Modo oscuro</a:t>
+            </a:r>
+            <a:endParaRPr lang="es-ES" sz="2800" dirty="0"/>
+          </a:p>
+        </p:txBody>
+      </p:sp>
+      <p:pic>
+        <p:nvPicPr>
+          <p:cNvPr id="11" name="Marcador de posición de imagen 10" descr="Captura de pantalla de un celular&#10;&#10;Descripción generada automáticamente">
+            <a:extLst>
+              <a:ext uri="{FF2B5EF4-FFF2-40B4-BE49-F238E27FC236}">
+                <a16:creationId xmlns:a16="http://schemas.microsoft.com/office/drawing/2014/main" id="{DCFD2E01-3BD7-53CC-5B82-1907CE2EAD8A}"/>
+              </a:ext>
+            </a:extLst>
+          </p:cNvPr>
+          <p:cNvPicPr>
+            <a:picLocks noGrp="1" noChangeAspect="1"/>
+          </p:cNvPicPr>
+          <p:nvPr>
+            <p:ph sz="quarter" idx="35"/>
+          </p:nvPr>
+        </p:nvPicPr>
+        <p:blipFill rotWithShape="1">
+          <a:blip r:embed="rId3"/>
+          <a:srcRect r="4" b="16638"/>
+          <a:stretch/>
+        </p:blipFill>
+        <p:spPr>
+          <a:xfrm>
+            <a:off x="601286" y="2818306"/>
+            <a:ext cx="5255681" cy="3066985"/>
+          </a:xfrm>
+          <a:prstGeom prst="roundRect">
+            <a:avLst>
+              <a:gd name="adj" fmla="val 8594"/>
+            </a:avLst>
+          </a:prstGeom>
+          <a:solidFill>
+            <a:srgbClr val="FFFFFF">
+              <a:shade val="85000"/>
+            </a:srgbClr>
+          </a:solidFill>
+          <a:ln>
+            <a:noFill/>
+          </a:ln>
+          <a:effectLst>
+            <a:reflection blurRad="12700" stA="38000" endPos="20000" dist="5000" dir="5400000" sy="-100000" algn="bl" rotWithShape="0"/>
+          </a:effectLst>
+        </p:spPr>
+      </p:pic>
+      <p:pic>
+        <p:nvPicPr>
+          <p:cNvPr id="13" name="Marcador de contenido 12" descr="Interfaz de usuario gráfica, Texto, Aplicación&#10;&#10;Descripción generada automáticamente">
+            <a:extLst>
+              <a:ext uri="{FF2B5EF4-FFF2-40B4-BE49-F238E27FC236}">
+                <a16:creationId xmlns:a16="http://schemas.microsoft.com/office/drawing/2014/main" id="{2910CF3F-4F58-D794-B9F7-91B19C49449A}"/>
+              </a:ext>
+            </a:extLst>
+          </p:cNvPr>
+          <p:cNvPicPr>
+            <a:picLocks noGrp="1" noChangeAspect="1"/>
+          </p:cNvPicPr>
+          <p:nvPr>
+            <p:ph sz="quarter" idx="36"/>
+          </p:nvPr>
+        </p:nvPicPr>
+        <p:blipFill rotWithShape="1">
+          <a:blip r:embed="rId4"/>
+          <a:srcRect t="4948" r="4" b="3447"/>
+          <a:stretch/>
+        </p:blipFill>
+        <p:spPr>
+          <a:xfrm>
+            <a:off x="6600664" y="2659068"/>
+            <a:ext cx="4988876" cy="3382023"/>
+          </a:xfrm>
+          <a:prstGeom prst="roundRect">
+            <a:avLst>
+              <a:gd name="adj" fmla="val 16391"/>
+            </a:avLst>
+          </a:prstGeom>
+          <a:ln>
+            <a:noFill/>
+          </a:ln>
+          <a:effectLst>
+            <a:outerShdw blurRad="152400" dist="12000" dir="900000" sy="98000" kx="110000" ky="200000" algn="tl" rotWithShape="0">
+              <a:srgbClr val="000000">
+                <a:alpha val="30000"/>
+              </a:srgbClr>
+            </a:outerShdw>
+          </a:effectLst>
+          <a:scene3d>
+            <a:camera prst="perspectiveRelaxed">
+              <a:rot lat="19800000" lon="1200000" rev="20820000"/>
+            </a:camera>
+            <a:lightRig rig="threePt" dir="t"/>
+          </a:scene3d>
+          <a:sp3d contourW="6350" prstMaterial="matte">
+            <a:bevelT w="101600" h="101600"/>
+            <a:contourClr>
+              <a:srgbClr val="969696"/>
+            </a:contourClr>
+          </a:sp3d>
+        </p:spPr>
+      </p:pic>
+      <p:sp>
+        <p:nvSpPr>
+          <p:cNvPr id="5" name="Marcador de fecha 4">
+            <a:extLst>
+              <a:ext uri="{FF2B5EF4-FFF2-40B4-BE49-F238E27FC236}">
+                <a16:creationId xmlns:a16="http://schemas.microsoft.com/office/drawing/2014/main" id="{41A7006E-811B-F796-EBCE-82B10D81FB73}"/>
+              </a:ext>
+            </a:extLst>
+          </p:cNvPr>
+          <p:cNvSpPr>
+            <a:spLocks noGrp="1"/>
+          </p:cNvSpPr>
+          <p:nvPr>
+            <p:ph type="dt" sz="half" idx="10"/>
+          </p:nvPr>
+        </p:nvSpPr>
+        <p:spPr>
+          <a:xfrm>
+            <a:off x="838200" y="6356350"/>
+            <a:ext cx="2743200" cy="365125"/>
+          </a:xfrm>
+        </p:spPr>
+        <p:txBody>
+          <a:bodyPr anchor="ctr">
+            <a:normAutofit/>
+          </a:bodyPr>
+          <a:lstStyle/>
+          <a:p>
+            <a:pPr rtl="0">
+              <a:spcAft>
+                <a:spcPts val="600"/>
+              </a:spcAft>
+            </a:pPr>
+            <a:r>
+              <a:rPr lang="es-ES" noProof="0" dirty="0"/>
+              <a:t>Proyecto Integrador 23-24</a:t>
+            </a:r>
+          </a:p>
+        </p:txBody>
+      </p:sp>
+      <p:sp>
+        <p:nvSpPr>
+          <p:cNvPr id="6" name="Marcador de pie de página 5">
+            <a:extLst>
+              <a:ext uri="{FF2B5EF4-FFF2-40B4-BE49-F238E27FC236}">
+                <a16:creationId xmlns:a16="http://schemas.microsoft.com/office/drawing/2014/main" id="{6D0892CD-D04A-C992-6073-7866CDF4F848}"/>
+              </a:ext>
+            </a:extLst>
+          </p:cNvPr>
+          <p:cNvSpPr>
+            <a:spLocks noGrp="1"/>
+          </p:cNvSpPr>
+          <p:nvPr>
+            <p:ph type="ftr" sz="quarter" idx="11"/>
+          </p:nvPr>
+        </p:nvSpPr>
+        <p:spPr>
+          <a:xfrm>
+            <a:off x="4038600" y="6356350"/>
+            <a:ext cx="4114800" cy="365125"/>
+          </a:xfrm>
+        </p:spPr>
+        <p:txBody>
+          <a:bodyPr anchor="ctr">
+            <a:normAutofit/>
+          </a:bodyPr>
+          <a:lstStyle/>
+          <a:p>
+            <a:pPr rtl="0">
+              <a:spcAft>
+                <a:spcPts val="600"/>
+              </a:spcAft>
+            </a:pPr>
+            <a:r>
+              <a:rPr lang="es-ES" noProof="0" dirty="0"/>
+              <a:t>Presentación de lanzamiento</a:t>
+            </a:r>
+            <a:endParaRPr lang="es-ES" noProof="0"/>
+          </a:p>
+        </p:txBody>
+      </p:sp>
+      <p:sp>
+        <p:nvSpPr>
+          <p:cNvPr id="7" name="Marcador de número de diapositiva 6">
+            <a:extLst>
+              <a:ext uri="{FF2B5EF4-FFF2-40B4-BE49-F238E27FC236}">
+                <a16:creationId xmlns:a16="http://schemas.microsoft.com/office/drawing/2014/main" id="{85A04B8A-5DB4-587E-FFF0-29935287E1A1}"/>
+              </a:ext>
+            </a:extLst>
+          </p:cNvPr>
+          <p:cNvSpPr>
+            <a:spLocks noGrp="1"/>
+          </p:cNvSpPr>
+          <p:nvPr>
+            <p:ph type="sldNum" sz="quarter" idx="12"/>
+          </p:nvPr>
+        </p:nvSpPr>
+        <p:spPr>
+          <a:xfrm>
+            <a:off x="8610600" y="6356350"/>
+            <a:ext cx="2743200" cy="365125"/>
+          </a:xfrm>
+        </p:spPr>
+        <p:txBody>
+          <a:bodyPr anchor="ctr">
+            <a:normAutofit/>
+          </a:bodyPr>
+          <a:lstStyle/>
+          <a:p>
+            <a:pPr rtl="0">
+              <a:spcAft>
+                <a:spcPts val="600"/>
+              </a:spcAft>
+            </a:pPr>
+            <a:fld id="{EA87306C-81BA-4795-A5CA-9392456A8C1E}" type="slidenum">
+              <a:rPr lang="es-ES" noProof="0" smtClean="0"/>
+              <a:pPr rtl="0">
+                <a:spcAft>
+                  <a:spcPts val="600"/>
+                </a:spcAft>
+              </a:pPr>
+              <a:t>4</a:t>
+            </a:fld>
+            <a:endParaRPr lang="es-ES" noProof="0"/>
+          </a:p>
+        </p:txBody>
+      </p:sp>
+      <p:pic>
+        <p:nvPicPr>
+          <p:cNvPr id="4" name="Imagen 3">
+            <a:extLst>
+              <a:ext uri="{FF2B5EF4-FFF2-40B4-BE49-F238E27FC236}">
+                <a16:creationId xmlns:a16="http://schemas.microsoft.com/office/drawing/2014/main" id="{5FE72B49-47D6-E24E-8AF2-20E9E7335A13}"/>
+              </a:ext>
+            </a:extLst>
+          </p:cNvPr>
+          <p:cNvPicPr>
+            <a:picLocks noChangeAspect="1"/>
+          </p:cNvPicPr>
+          <p:nvPr/>
+        </p:nvPicPr>
+        <p:blipFill rotWithShape="1">
+          <a:blip r:embed="rId5"/>
+          <a:srcRect t="3081"/>
+          <a:stretch/>
+        </p:blipFill>
+        <p:spPr>
+          <a:xfrm>
+            <a:off x="1728062" y="393420"/>
+            <a:ext cx="2774118" cy="6145492"/>
+          </a:xfrm>
+          <a:prstGeom prst="roundRect">
+            <a:avLst>
+              <a:gd name="adj" fmla="val 3837"/>
+            </a:avLst>
+          </a:prstGeom>
+          <a:solidFill>
+            <a:srgbClr val="FFFFFF">
+              <a:shade val="85000"/>
+            </a:srgbClr>
+          </a:solidFill>
+          <a:ln>
+            <a:noFill/>
+          </a:ln>
+          <a:effectLst>
+            <a:reflection blurRad="25400" stA="35000" endPos="7000" dist="38100" dir="5400000" sy="-100000" algn="bl" rotWithShape="0"/>
+          </a:effectLst>
+        </p:spPr>
+      </p:pic>
+      <p:sp>
+        <p:nvSpPr>
+          <p:cNvPr id="10" name="Título 1">
+            <a:extLst>
+              <a:ext uri="{FF2B5EF4-FFF2-40B4-BE49-F238E27FC236}">
+                <a16:creationId xmlns:a16="http://schemas.microsoft.com/office/drawing/2014/main" id="{B9E29A09-1A37-D55F-7E70-179BC353FDF8}"/>
+              </a:ext>
+            </a:extLst>
+          </p:cNvPr>
+          <p:cNvSpPr txBox="1">
+            <a:spLocks/>
+          </p:cNvSpPr>
+          <p:nvPr/>
+        </p:nvSpPr>
+        <p:spPr>
+          <a:xfrm>
+            <a:off x="5103052" y="2399277"/>
+            <a:ext cx="6203302" cy="607969"/>
+          </a:xfrm>
+          <a:prstGeom prst="roundRect">
+            <a:avLst>
+              <a:gd name="adj" fmla="val 22934"/>
+            </a:avLst>
+          </a:prstGeom>
+        </p:spPr>
+        <p:style>
+          <a:lnRef idx="2">
+            <a:schemeClr val="dk1"/>
+          </a:lnRef>
+          <a:fillRef idx="1">
+            <a:schemeClr val="lt1"/>
+          </a:fillRef>
+          <a:effectRef idx="0">
+            <a:schemeClr val="dk1"/>
+          </a:effectRef>
+          <a:fontRef idx="minor">
+            <a:schemeClr val="dk1"/>
+          </a:fontRef>
+        </p:style>
+        <p:txBody>
+          <a:bodyPr rtlCol="0" anchor="ctr">
+            <a:noAutofit/>
+          </a:bodyPr>
+          <a:lstStyle>
+            <a:lvl1pPr algn="ctr" defTabSz="914400" rtl="0" eaLnBrk="1" latinLnBrk="0" hangingPunct="1">
+              <a:lnSpc>
+                <a:spcPct val="90000"/>
+              </a:lnSpc>
+              <a:spcBef>
+                <a:spcPct val="0"/>
+              </a:spcBef>
+              <a:buNone/>
+              <a:defRPr sz="2400" kern="1200" cap="all" spc="100" baseline="0">
+                <a:solidFill>
+                  <a:schemeClr val="tx2">
+                    <a:lumMod val="75000"/>
+                  </a:schemeClr>
+                </a:solidFill>
+                <a:latin typeface="+mj-lt"/>
+                <a:ea typeface="+mj-ea"/>
+                <a:cs typeface="+mj-cs"/>
+              </a:defRPr>
+            </a:lvl1pPr>
+          </a:lstStyle>
+          <a:p>
+            <a:r>
+              <a:rPr lang="es-ES" sz="3600" dirty="0"/>
+              <a:t>Diseño 99% responsive</a:t>
+            </a:r>
+          </a:p>
+        </p:txBody>
+      </p:sp>
+    </p:spTree>
+    <p:extLst>
+      <p:ext uri="{BB962C8B-B14F-4D97-AF65-F5344CB8AC3E}">
+        <p14:creationId xmlns:p14="http://schemas.microsoft.com/office/powerpoint/2010/main" val="1757595834"/>
+      </p:ext>
+    </p:extLst>
+  </p:cSld>
+  <p:clrMapOvr>
+    <a:masterClrMapping/>
+  </p:clrMapOvr>
+  <mc:AlternateContent xmlns:mc="http://schemas.openxmlformats.org/markup-compatibility/2006" xmlns:p14="http://schemas.microsoft.com/office/powerpoint/2010/main">
+    <mc:Choice Requires="p14">
+      <p:transition spd="slow" p14:dur="1250">
+        <p14:reveal/>
+      </p:transition>
+    </mc:Choice>
+    <mc:Fallback xmlns="">
+      <p:transition spd="slow">
+        <p:fade/>
+      </p:transition>
+    </mc:Fallback>
+  </mc:AlternateContent>
+  <p:timing>
+    <p:tnLst>
+      <p:par>
+        <p:cTn id="1" dur="indefinite" restart="never" nodeType="tmRoot">
+          <p:childTnLst>
+            <p:seq concurrent="1" nextAc="seek">
+              <p:cTn id="2" dur="indefinite" nodeType="mainSeq">
+                <p:childTnLst>
+                  <p:par>
+                    <p:cTn id="3" fill="hold">
+                      <p:stCondLst>
+                        <p:cond delay="indefinite"/>
+                      </p:stCondLst>
+                      <p:childTnLst>
+                        <p:par>
+                          <p:cTn id="4" fill="hold">
+                            <p:stCondLst>
+                              <p:cond delay="0"/>
+                            </p:stCondLst>
+                            <p:childTnLst>
+                              <p:par>
+                                <p:cTn id="5" presetID="42" presetClass="entr" presetSubtype="0" fill="hold" nodeType="clickEffect">
+                                  <p:stCondLst>
+                                    <p:cond delay="0"/>
+                                  </p:stCondLst>
+                                  <p:childTnLst>
+                                    <p:set>
+                                      <p:cBhvr>
+                                        <p:cTn id="6" dur="1" fill="hold">
+                                          <p:stCondLst>
+                                            <p:cond delay="0"/>
+                                          </p:stCondLst>
+                                        </p:cTn>
+                                        <p:tgtEl>
+                                          <p:spTgt spid="4"/>
+                                        </p:tgtEl>
+                                        <p:attrNameLst>
+                                          <p:attrName>style.visibility</p:attrName>
+                                        </p:attrNameLst>
+                                      </p:cBhvr>
+                                      <p:to>
+                                        <p:strVal val="visible"/>
+                                      </p:to>
+                                    </p:set>
+                                    <p:animEffect transition="in" filter="fade">
+                                      <p:cBhvr>
+                                        <p:cTn id="7" dur="500"/>
+                                        <p:tgtEl>
+                                          <p:spTgt spid="4"/>
+                                        </p:tgtEl>
+                                      </p:cBhvr>
+                                    </p:animEffect>
+                                    <p:anim calcmode="lin" valueType="num">
+                                      <p:cBhvr>
+                                        <p:cTn id="8" dur="500" fill="hold"/>
+                                        <p:tgtEl>
+                                          <p:spTgt spid="4"/>
+                                        </p:tgtEl>
+                                        <p:attrNameLst>
+                                          <p:attrName>ppt_x</p:attrName>
+                                        </p:attrNameLst>
+                                      </p:cBhvr>
+                                      <p:tavLst>
+                                        <p:tav tm="0">
+                                          <p:val>
+                                            <p:strVal val="#ppt_x"/>
+                                          </p:val>
+                                        </p:tav>
+                                        <p:tav tm="100000">
+                                          <p:val>
+                                            <p:strVal val="#ppt_x"/>
+                                          </p:val>
+                                        </p:tav>
+                                      </p:tavLst>
+                                    </p:anim>
+                                    <p:anim calcmode="lin" valueType="num">
+                                      <p:cBhvr>
+                                        <p:cTn id="9" dur="500" fill="hold"/>
+                                        <p:tgtEl>
+                                          <p:spTgt spid="4"/>
+                                        </p:tgtEl>
+                                        <p:attrNameLst>
+                                          <p:attrName>ppt_y</p:attrName>
+                                        </p:attrNameLst>
+                                      </p:cBhvr>
+                                      <p:tavLst>
+                                        <p:tav tm="0">
+                                          <p:val>
+                                            <p:strVal val="#ppt_y+.1"/>
+                                          </p:val>
+                                        </p:tav>
+                                        <p:tav tm="100000">
+                                          <p:val>
+                                            <p:strVal val="#ppt_y"/>
+                                          </p:val>
+                                        </p:tav>
+                                      </p:tavLst>
+                                    </p:anim>
+                                  </p:childTnLst>
+                                </p:cTn>
+                              </p:par>
+                              <p:par>
+                                <p:cTn id="10" presetID="10" presetClass="entr" presetSubtype="0" fill="hold" grpId="0" nodeType="withEffect">
+                                  <p:stCondLst>
+                                    <p:cond delay="0"/>
+                                  </p:stCondLst>
+                                  <p:childTnLst>
+                                    <p:set>
+                                      <p:cBhvr>
+                                        <p:cTn id="11" dur="1" fill="hold">
+                                          <p:stCondLst>
+                                            <p:cond delay="0"/>
+                                          </p:stCondLst>
+                                        </p:cTn>
+                                        <p:tgtEl>
+                                          <p:spTgt spid="10"/>
+                                        </p:tgtEl>
+                                        <p:attrNameLst>
+                                          <p:attrName>style.visibility</p:attrName>
+                                        </p:attrNameLst>
+                                      </p:cBhvr>
+                                      <p:to>
+                                        <p:strVal val="visible"/>
+                                      </p:to>
+                                    </p:set>
+                                    <p:animEffect transition="in" filter="fade">
+                                      <p:cBhvr>
+                                        <p:cTn id="12" dur="500"/>
+                                        <p:tgtEl>
+                                          <p:spTgt spid="10"/>
+                                        </p:tgtEl>
+                                      </p:cBhvr>
+                                    </p:animEffect>
+                                  </p:childTnLst>
+                                </p:cTn>
+                              </p:par>
+                              <p:par>
+                                <p:cTn id="13" presetID="9" presetClass="emph" presetSubtype="0" grpId="0" nodeType="withEffect">
+                                  <p:stCondLst>
+                                    <p:cond delay="0"/>
+                                  </p:stCondLst>
+                                  <p:childTnLst>
+                                    <p:set>
+                                      <p:cBhvr>
+                                        <p:cTn id="14" dur="indefinite"/>
+                                        <p:tgtEl>
+                                          <p:spTgt spid="2"/>
+                                        </p:tgtEl>
+                                        <p:attrNameLst>
+                                          <p:attrName>style.opacity</p:attrName>
+                                        </p:attrNameLst>
+                                      </p:cBhvr>
+                                      <p:to>
+                                        <p:strVal val="0.5"/>
+                                      </p:to>
+                                    </p:set>
+                                    <p:animEffect filter="image" prLst="opacity: 0.5">
+                                      <p:cBhvr rctx="IE">
+                                        <p:cTn id="15" dur="indefinite"/>
+                                        <p:tgtEl>
+                                          <p:spTgt spid="2"/>
+                                        </p:tgtEl>
+                                      </p:cBhvr>
+                                    </p:animEffect>
+                                  </p:childTnLst>
+                                  <p:subTnLst>
+                                    <p:set>
+                                      <p:cBhvr override="childStyle">
+                                        <p:cTn dur="1" fill="hold" display="0" masterRel="sameClick" afterEffect="1">
+                                          <p:stCondLst>
+                                            <p:cond evt="end" delay="0">
+                                              <p:tn val="13"/>
+                                            </p:cond>
+                                          </p:stCondLst>
+                                        </p:cTn>
+                                        <p:tgtEl>
+                                          <p:spTgt spid="2"/>
+                                        </p:tgtEl>
+                                        <p:attrNameLst>
+                                          <p:attrName>style.visibility</p:attrName>
+                                        </p:attrNameLst>
+                                      </p:cBhvr>
+                                      <p:to>
+                                        <p:strVal val="hidden"/>
+                                      </p:to>
+                                    </p:set>
+                                  </p:subTnLst>
+                                </p:cTn>
+                              </p:par>
+                              <p:par>
+                                <p:cTn id="16" presetID="9" presetClass="emph" presetSubtype="0" grpId="0" nodeType="withEffect">
+                                  <p:stCondLst>
+                                    <p:cond delay="0"/>
+                                  </p:stCondLst>
+                                  <p:childTnLst>
+                                    <p:set>
+                                      <p:cBhvr>
+                                        <p:cTn id="17" dur="indefinite"/>
+                                        <p:tgtEl>
+                                          <p:spTgt spid="16">
+                                            <p:txEl>
+                                              <p:pRg st="0" end="0"/>
+                                            </p:txEl>
+                                          </p:spTgt>
+                                        </p:tgtEl>
+                                        <p:attrNameLst>
+                                          <p:attrName>style.opacity</p:attrName>
+                                        </p:attrNameLst>
+                                      </p:cBhvr>
+                                      <p:to>
+                                        <p:strVal val="0.5"/>
+                                      </p:to>
+                                    </p:set>
+                                    <p:animEffect filter="image" prLst="opacity: 0.5">
+                                      <p:cBhvr rctx="IE">
+                                        <p:cTn id="18" dur="indefinite"/>
+                                        <p:tgtEl>
+                                          <p:spTgt spid="16">
+                                            <p:txEl>
+                                              <p:pRg st="0" end="0"/>
+                                            </p:txEl>
+                                          </p:spTgt>
+                                        </p:tgtEl>
+                                      </p:cBhvr>
+                                    </p:animEffect>
+                                  </p:childTnLst>
+                                  <p:subTnLst>
+                                    <p:set>
+                                      <p:cBhvr override="childStyle">
+                                        <p:cTn dur="1" fill="hold" display="0" masterRel="sameClick" afterEffect="1">
+                                          <p:stCondLst>
+                                            <p:cond evt="end" delay="0">
+                                              <p:tn val="16"/>
+                                            </p:cond>
+                                          </p:stCondLst>
+                                        </p:cTn>
+                                        <p:tgtEl>
+                                          <p:spTgt spid="16">
+                                            <p:txEl>
+                                              <p:pRg st="0" end="0"/>
+                                            </p:txEl>
+                                          </p:spTgt>
+                                        </p:tgtEl>
+                                        <p:attrNameLst>
+                                          <p:attrName>style.visibility</p:attrName>
+                                        </p:attrNameLst>
+                                      </p:cBhvr>
+                                      <p:to>
+                                        <p:strVal val="hidden"/>
+                                      </p:to>
+                                    </p:set>
+                                  </p:subTnLst>
+                                </p:cTn>
+                              </p:par>
+                              <p:par>
+                                <p:cTn id="19" presetID="9" presetClass="emph" presetSubtype="0" grpId="0" nodeType="withEffect">
+                                  <p:stCondLst>
+                                    <p:cond delay="0"/>
+                                  </p:stCondLst>
+                                  <p:childTnLst>
+                                    <p:set>
+                                      <p:cBhvr>
+                                        <p:cTn id="20" dur="indefinite"/>
+                                        <p:tgtEl>
+                                          <p:spTgt spid="18">
+                                            <p:txEl>
+                                              <p:pRg st="0" end="0"/>
+                                            </p:txEl>
+                                          </p:spTgt>
+                                        </p:tgtEl>
+                                        <p:attrNameLst>
+                                          <p:attrName>style.opacity</p:attrName>
+                                        </p:attrNameLst>
+                                      </p:cBhvr>
+                                      <p:to>
+                                        <p:strVal val="0.5"/>
+                                      </p:to>
+                                    </p:set>
+                                    <p:animEffect filter="image" prLst="opacity: 0.5">
+                                      <p:cBhvr rctx="IE">
+                                        <p:cTn id="21" dur="indefinite"/>
+                                        <p:tgtEl>
+                                          <p:spTgt spid="18">
+                                            <p:txEl>
+                                              <p:pRg st="0" end="0"/>
+                                            </p:txEl>
+                                          </p:spTgt>
+                                        </p:tgtEl>
+                                      </p:cBhvr>
+                                    </p:animEffect>
+                                  </p:childTnLst>
+                                  <p:subTnLst>
+                                    <p:set>
+                                      <p:cBhvr override="childStyle">
+                                        <p:cTn dur="1" fill="hold" display="0" masterRel="sameClick" afterEffect="1">
+                                          <p:stCondLst>
+                                            <p:cond evt="end" delay="0">
+                                              <p:tn val="19"/>
+                                            </p:cond>
+                                          </p:stCondLst>
+                                        </p:cTn>
+                                        <p:tgtEl>
+                                          <p:spTgt spid="18">
+                                            <p:txEl>
+                                              <p:pRg st="0" end="0"/>
+                                            </p:txEl>
+                                          </p:spTgt>
+                                        </p:tgtEl>
+                                        <p:attrNameLst>
+                                          <p:attrName>style.visibility</p:attrName>
+                                        </p:attrNameLst>
+                                      </p:cBhvr>
+                                      <p:to>
+                                        <p:strVal val="hidden"/>
+                                      </p:to>
+                                    </p:set>
+                                  </p:subTnLst>
+                                </p:cTn>
+                              </p:par>
+                              <p:par>
+                                <p:cTn id="22" presetID="9" presetClass="emph" presetSubtype="0" grpId="0" nodeType="withEffect">
+                                  <p:stCondLst>
+                                    <p:cond delay="0"/>
+                                  </p:stCondLst>
+                                  <p:childTnLst>
+                                    <p:set>
+                                      <p:cBhvr>
+                                        <p:cTn id="23" dur="indefinite"/>
+                                        <p:tgtEl>
+                                          <p:spTgt spid="20">
+                                            <p:txEl>
+                                              <p:pRg st="0" end="0"/>
+                                            </p:txEl>
+                                          </p:spTgt>
+                                        </p:tgtEl>
+                                        <p:attrNameLst>
+                                          <p:attrName>style.opacity</p:attrName>
+                                        </p:attrNameLst>
+                                      </p:cBhvr>
+                                      <p:to>
+                                        <p:strVal val="0.5"/>
+                                      </p:to>
+                                    </p:set>
+                                    <p:animEffect filter="image" prLst="opacity: 0.5">
+                                      <p:cBhvr rctx="IE">
+                                        <p:cTn id="24" dur="indefinite"/>
+                                        <p:tgtEl>
+                                          <p:spTgt spid="20">
+                                            <p:txEl>
+                                              <p:pRg st="0" end="0"/>
+                                            </p:txEl>
+                                          </p:spTgt>
+                                        </p:tgtEl>
+                                      </p:cBhvr>
+                                    </p:animEffect>
+                                  </p:childTnLst>
+                                  <p:subTnLst>
+                                    <p:set>
+                                      <p:cBhvr override="childStyle">
+                                        <p:cTn dur="1" fill="hold" display="0" masterRel="sameClick" afterEffect="1">
+                                          <p:stCondLst>
+                                            <p:cond evt="end" delay="0">
+                                              <p:tn val="22"/>
+                                            </p:cond>
+                                          </p:stCondLst>
+                                        </p:cTn>
+                                        <p:tgtEl>
+                                          <p:spTgt spid="20">
+                                            <p:txEl>
+                                              <p:pRg st="0" end="0"/>
+                                            </p:txEl>
+                                          </p:spTgt>
+                                        </p:tgtEl>
+                                        <p:attrNameLst>
+                                          <p:attrName>style.visibility</p:attrName>
+                                        </p:attrNameLst>
+                                      </p:cBhvr>
+                                      <p:to>
+                                        <p:strVal val="hidden"/>
+                                      </p:to>
+                                    </p:set>
+                                  </p:subTnLst>
+                                </p:cTn>
+                              </p:par>
+                              <p:par>
+                                <p:cTn id="25" presetID="9" presetClass="emph" presetSubtype="0" nodeType="withEffect">
+                                  <p:stCondLst>
+                                    <p:cond delay="0"/>
+                                  </p:stCondLst>
+                                  <p:childTnLst>
+                                    <p:set>
+                                      <p:cBhvr>
+                                        <p:cTn id="26" dur="indefinite"/>
+                                        <p:tgtEl>
+                                          <p:spTgt spid="11"/>
+                                        </p:tgtEl>
+                                        <p:attrNameLst>
+                                          <p:attrName>style.opacity</p:attrName>
+                                        </p:attrNameLst>
+                                      </p:cBhvr>
+                                      <p:to>
+                                        <p:strVal val="0.5"/>
+                                      </p:to>
+                                    </p:set>
+                                    <p:animEffect filter="image" prLst="opacity: 0.5">
+                                      <p:cBhvr rctx="IE">
+                                        <p:cTn id="27" dur="indefinite"/>
+                                        <p:tgtEl>
+                                          <p:spTgt spid="11"/>
+                                        </p:tgtEl>
+                                      </p:cBhvr>
+                                    </p:animEffect>
+                                  </p:childTnLst>
+                                  <p:subTnLst>
+                                    <p:set>
+                                      <p:cBhvr override="childStyle">
+                                        <p:cTn dur="1" fill="hold" display="0" masterRel="sameClick" afterEffect="1">
+                                          <p:stCondLst>
+                                            <p:cond evt="end" delay="0">
+                                              <p:tn val="25"/>
+                                            </p:cond>
+                                          </p:stCondLst>
+                                        </p:cTn>
+                                        <p:tgtEl>
+                                          <p:spTgt spid="11"/>
+                                        </p:tgtEl>
+                                        <p:attrNameLst>
+                                          <p:attrName>style.visibility</p:attrName>
+                                        </p:attrNameLst>
+                                      </p:cBhvr>
+                                      <p:to>
+                                        <p:strVal val="hidden"/>
+                                      </p:to>
+                                    </p:set>
+                                  </p:subTnLst>
+                                </p:cTn>
+                              </p:par>
+                              <p:par>
+                                <p:cTn id="28" presetID="9" presetClass="emph" presetSubtype="0" nodeType="withEffect">
+                                  <p:stCondLst>
+                                    <p:cond delay="0"/>
+                                  </p:stCondLst>
+                                  <p:childTnLst>
+                                    <p:set>
+                                      <p:cBhvr>
+                                        <p:cTn id="29" dur="indefinite"/>
+                                        <p:tgtEl>
+                                          <p:spTgt spid="13"/>
+                                        </p:tgtEl>
+                                        <p:attrNameLst>
+                                          <p:attrName>style.opacity</p:attrName>
+                                        </p:attrNameLst>
+                                      </p:cBhvr>
+                                      <p:to>
+                                        <p:strVal val="0.5"/>
+                                      </p:to>
+                                    </p:set>
+                                    <p:animEffect filter="image" prLst="opacity: 0.5">
+                                      <p:cBhvr rctx="IE">
+                                        <p:cTn id="30" dur="indefinite"/>
+                                        <p:tgtEl>
+                                          <p:spTgt spid="13"/>
+                                        </p:tgtEl>
+                                      </p:cBhvr>
+                                    </p:animEffect>
+                                  </p:childTnLst>
+                                  <p:subTnLst>
+                                    <p:set>
+                                      <p:cBhvr override="childStyle">
+                                        <p:cTn dur="1" fill="hold" display="0" masterRel="sameClick" afterEffect="1">
+                                          <p:stCondLst>
+                                            <p:cond evt="end" delay="0">
+                                              <p:tn val="28"/>
+                                            </p:cond>
+                                          </p:stCondLst>
+                                        </p:cTn>
+                                        <p:tgtEl>
+                                          <p:spTgt spid="13"/>
+                                        </p:tgtEl>
+                                        <p:attrNameLst>
+                                          <p:attrName>style.visibility</p:attrName>
+                                        </p:attrNameLst>
+                                      </p:cBhvr>
+                                      <p:to>
+                                        <p:strVal val="hidden"/>
+                                      </p:to>
+                                    </p:set>
+                                  </p:subTnLst>
+                                </p:cTn>
+                              </p:par>
+                              <p:par>
+                                <p:cTn id="31" presetID="9" presetClass="emph" presetSubtype="0" grpId="0" nodeType="withEffect">
+                                  <p:stCondLst>
+                                    <p:cond delay="0"/>
+                                  </p:stCondLst>
+                                  <p:childTnLst>
+                                    <p:set>
+                                      <p:cBhvr>
+                                        <p:cTn id="32" dur="indefinite"/>
+                                        <p:tgtEl>
+                                          <p:spTgt spid="5"/>
+                                        </p:tgtEl>
+                                        <p:attrNameLst>
+                                          <p:attrName>style.opacity</p:attrName>
+                                        </p:attrNameLst>
+                                      </p:cBhvr>
+                                      <p:to>
+                                        <p:strVal val="0.5"/>
+                                      </p:to>
+                                    </p:set>
+                                    <p:animEffect filter="image" prLst="opacity: 0.5">
+                                      <p:cBhvr rctx="IE">
+                                        <p:cTn id="33" dur="indefinite"/>
+                                        <p:tgtEl>
+                                          <p:spTgt spid="5"/>
+                                        </p:tgtEl>
+                                      </p:cBhvr>
+                                    </p:animEffect>
+                                  </p:childTnLst>
+                                  <p:subTnLst>
+                                    <p:set>
+                                      <p:cBhvr override="childStyle">
+                                        <p:cTn dur="1" fill="hold" display="0" masterRel="sameClick" afterEffect="1">
+                                          <p:stCondLst>
+                                            <p:cond evt="end" delay="0">
+                                              <p:tn val="31"/>
+                                            </p:cond>
+                                          </p:stCondLst>
+                                        </p:cTn>
+                                        <p:tgtEl>
+                                          <p:spTgt spid="5"/>
+                                        </p:tgtEl>
+                                        <p:attrNameLst>
+                                          <p:attrName>style.visibility</p:attrName>
+                                        </p:attrNameLst>
+                                      </p:cBhvr>
+                                      <p:to>
+                                        <p:strVal val="hidden"/>
+                                      </p:to>
+                                    </p:set>
+                                  </p:subTnLst>
+                                </p:cTn>
+                              </p:par>
+                              <p:par>
+                                <p:cTn id="34" presetID="9" presetClass="emph" presetSubtype="0" grpId="0" nodeType="withEffect">
+                                  <p:stCondLst>
+                                    <p:cond delay="0"/>
+                                  </p:stCondLst>
+                                  <p:childTnLst>
+                                    <p:set>
+                                      <p:cBhvr>
+                                        <p:cTn id="35" dur="indefinite"/>
+                                        <p:tgtEl>
+                                          <p:spTgt spid="6"/>
+                                        </p:tgtEl>
+                                        <p:attrNameLst>
+                                          <p:attrName>style.opacity</p:attrName>
+                                        </p:attrNameLst>
+                                      </p:cBhvr>
+                                      <p:to>
+                                        <p:strVal val="0.5"/>
+                                      </p:to>
+                                    </p:set>
+                                    <p:animEffect filter="image" prLst="opacity: 0.5">
+                                      <p:cBhvr rctx="IE">
+                                        <p:cTn id="36" dur="indefinite"/>
+                                        <p:tgtEl>
+                                          <p:spTgt spid="6"/>
+                                        </p:tgtEl>
+                                      </p:cBhvr>
+                                    </p:animEffect>
+                                  </p:childTnLst>
+                                  <p:subTnLst>
+                                    <p:set>
+                                      <p:cBhvr override="childStyle">
+                                        <p:cTn dur="1" fill="hold" display="0" masterRel="sameClick" afterEffect="1">
+                                          <p:stCondLst>
+                                            <p:cond evt="end" delay="0">
+                                              <p:tn val="34"/>
+                                            </p:cond>
+                                          </p:stCondLst>
+                                        </p:cTn>
+                                        <p:tgtEl>
+                                          <p:spTgt spid="6"/>
+                                        </p:tgtEl>
+                                        <p:attrNameLst>
+                                          <p:attrName>style.visibility</p:attrName>
+                                        </p:attrNameLst>
+                                      </p:cBhvr>
+                                      <p:to>
+                                        <p:strVal val="hidden"/>
+                                      </p:to>
+                                    </p:set>
+                                  </p:subTnLst>
+                                </p:cTn>
+                              </p:par>
+                              <p:par>
+                                <p:cTn id="37" presetID="9" presetClass="emph" presetSubtype="0" grpId="0" nodeType="withEffect">
+                                  <p:stCondLst>
+                                    <p:cond delay="0"/>
+                                  </p:stCondLst>
+                                  <p:childTnLst>
+                                    <p:set>
+                                      <p:cBhvr>
+                                        <p:cTn id="38" dur="indefinite"/>
+                                        <p:tgtEl>
+                                          <p:spTgt spid="7"/>
+                                        </p:tgtEl>
+                                        <p:attrNameLst>
+                                          <p:attrName>style.opacity</p:attrName>
+                                        </p:attrNameLst>
+                                      </p:cBhvr>
+                                      <p:to>
+                                        <p:strVal val="0.5"/>
+                                      </p:to>
+                                    </p:set>
+                                    <p:animEffect filter="image" prLst="opacity: 0.5">
+                                      <p:cBhvr rctx="IE">
+                                        <p:cTn id="39" dur="indefinite"/>
+                                        <p:tgtEl>
+                                          <p:spTgt spid="7"/>
+                                        </p:tgtEl>
+                                      </p:cBhvr>
+                                    </p:animEffect>
+                                  </p:childTnLst>
+                                  <p:subTnLst>
+                                    <p:set>
+                                      <p:cBhvr override="childStyle">
+                                        <p:cTn dur="1" fill="hold" display="0" masterRel="sameClick" afterEffect="1">
+                                          <p:stCondLst>
+                                            <p:cond evt="end" delay="0">
+                                              <p:tn val="37"/>
+                                            </p:cond>
+                                          </p:stCondLst>
+                                        </p:cTn>
+                                        <p:tgtEl>
+                                          <p:spTgt spid="7"/>
+                                        </p:tgtEl>
+                                        <p:attrNameLst>
+                                          <p:attrName>style.visibility</p:attrName>
+                                        </p:attrNameLst>
+                                      </p:cBhvr>
+                                      <p:to>
+                                        <p:strVal val="hidden"/>
+                                      </p:to>
+                                    </p:set>
+                                  </p:subTnLst>
+                                </p:cTn>
+                              </p:par>
+                            </p:childTnLst>
+                          </p:cTn>
+                        </p:par>
+                      </p:childTnLst>
+                    </p:cTn>
+                  </p:par>
+                </p:childTnLst>
+              </p:cTn>
+              <p:prevCondLst>
+                <p:cond evt="onPrev" delay="0">
+                  <p:tgtEl>
+                    <p:sldTgt/>
+                  </p:tgtEl>
+                </p:cond>
+              </p:prevCondLst>
+              <p:nextCondLst>
+                <p:cond evt="onNext" delay="0">
+                  <p:tgtEl>
+                    <p:sldTgt/>
+                  </p:tgtEl>
+                </p:cond>
+              </p:nextCondLst>
+            </p:seq>
+          </p:childTnLst>
+        </p:cTn>
+      </p:par>
+    </p:tnLst>
+    <p:bldLst>
+      <p:bldP spid="2" grpId="0"/>
+      <p:bldP spid="16" grpId="0" build="p"/>
+      <p:bldP spid="18" grpId="0" build="p"/>
+      <p:bldP spid="20" grpId="0" build="p"/>
+      <p:bldP spid="5" grpId="0"/>
+      <p:bldP spid="6" grpId="0"/>
+      <p:bldP spid="7" grpId="0"/>
+      <p:bldP spid="10" grpId="0" animBg="1"/>
+    </p:bldLst>
+  </p:timing>
 </p:sld>
 </file>
 
@@ -21717,6 +22516,34 @@
 </file>
 
 <file path=customXml/item1.xml><?xml version="1.0" encoding="utf-8"?>
+<?mso-contentType ?>
+<FormTemplates xmlns="http://schemas.microsoft.com/sharepoint/v3/contenttype/forms">
+  <Display>DocumentLibraryForm</Display>
+  <Edit>DocumentLibraryForm</Edit>
+  <New>DocumentLibraryForm</New>
+</FormTemplates>
+</file>
+
+<file path=customXml/item2.xml><?xml version="1.0" encoding="utf-8"?>
+<p:properties xmlns:p="http://schemas.microsoft.com/office/2006/metadata/properties" xmlns:xsi="http://www.w3.org/2001/XMLSchema-instance" xmlns:pc="http://schemas.microsoft.com/office/infopath/2007/PartnerControls">
+  <documentManagement>
+    <_ip_UnifiedCompliancePolicyUIAction xmlns="http://schemas.microsoft.com/sharepoint/v3" xsi:nil="true"/>
+    <Image xmlns="71af3243-3dd4-4a8d-8c0d-dd76da1f02a5">
+      <Url xsi:nil="true"/>
+      <Description xsi:nil="true"/>
+    </Image>
+    <Status xmlns="71af3243-3dd4-4a8d-8c0d-dd76da1f02a5">Not started</Status>
+    <_ip_UnifiedCompliancePolicyProperties xmlns="http://schemas.microsoft.com/sharepoint/v3" xsi:nil="true"/>
+    <ImageTagsTaxHTField xmlns="71af3243-3dd4-4a8d-8c0d-dd76da1f02a5">
+      <Terms xmlns="http://schemas.microsoft.com/office/infopath/2007/PartnerControls"/>
+    </ImageTagsTaxHTField>
+    <TaxCatchAll xmlns="230e9df3-be65-4c73-a93b-d1236ebd677e"/>
+    <MediaServiceKeyPoints xmlns="71af3243-3dd4-4a8d-8c0d-dd76da1f02a5" xsi:nil="true"/>
+  </documentManagement>
+</p:properties>
+</file>
+
+<file path=customXml/item3.xml><?xml version="1.0" encoding="utf-8"?>
 <ct:contentTypeSchema xmlns:ct="http://schemas.microsoft.com/office/2006/metadata/contentType" xmlns:ma="http://schemas.microsoft.com/office/2006/metadata/properties/metaAttributes" ct:_="" ma:_="" ma:contentTypeName="Document" ma:contentTypeID="0x01010079F111ED35F8CC479449609E8A0923A6" ma:contentTypeVersion="20" ma:contentTypeDescription="Create a new document." ma:contentTypeScope="" ma:versionID="1267097ee5f5874adfcc408041ae252e">
   <xsd:schema xmlns:xsd="http://www.w3.org/2001/XMLSchema" xmlns:xs="http://www.w3.org/2001/XMLSchema" xmlns:p="http://schemas.microsoft.com/office/2006/metadata/properties" xmlns:ns1="http://schemas.microsoft.com/sharepoint/v3" xmlns:ns2="71af3243-3dd4-4a8d-8c0d-dd76da1f02a5" xmlns:ns3="16c05727-aa75-4e4a-9b5f-8a80a1165891" xmlns:ns4="230e9df3-be65-4c73-a93b-d1236ebd677e" targetNamespace="http://schemas.microsoft.com/office/2006/metadata/properties" ma:root="true" ma:fieldsID="395891a93df65b14727750f2c06c306c" ns1:_="" ns2:_="" ns3:_="" ns4:_="">
     <xsd:import namespace="http://schemas.microsoft.com/sharepoint/v3"/>
@@ -21992,35 +22819,27 @@
 </ct:contentTypeSchema>
 </file>
 
-<file path=customXml/item2.xml><?xml version="1.0" encoding="utf-8"?>
-<p:properties xmlns:p="http://schemas.microsoft.com/office/2006/metadata/properties" xmlns:xsi="http://www.w3.org/2001/XMLSchema-instance" xmlns:pc="http://schemas.microsoft.com/office/infopath/2007/PartnerControls">
-  <documentManagement>
-    <_ip_UnifiedCompliancePolicyUIAction xmlns="http://schemas.microsoft.com/sharepoint/v3" xsi:nil="true"/>
-    <Image xmlns="71af3243-3dd4-4a8d-8c0d-dd76da1f02a5">
-      <Url xsi:nil="true"/>
-      <Description xsi:nil="true"/>
-    </Image>
-    <Status xmlns="71af3243-3dd4-4a8d-8c0d-dd76da1f02a5">Not started</Status>
-    <_ip_UnifiedCompliancePolicyProperties xmlns="http://schemas.microsoft.com/sharepoint/v3" xsi:nil="true"/>
-    <ImageTagsTaxHTField xmlns="71af3243-3dd4-4a8d-8c0d-dd76da1f02a5">
-      <Terms xmlns="http://schemas.microsoft.com/office/infopath/2007/PartnerControls"/>
-    </ImageTagsTaxHTField>
-    <TaxCatchAll xmlns="230e9df3-be65-4c73-a93b-d1236ebd677e"/>
-    <MediaServiceKeyPoints xmlns="71af3243-3dd4-4a8d-8c0d-dd76da1f02a5" xsi:nil="true"/>
-  </documentManagement>
-</p:properties>
+<file path=customXml/itemProps1.xml><?xml version="1.0" encoding="utf-8"?>
+<ds:datastoreItem xmlns:ds="http://schemas.openxmlformats.org/officeDocument/2006/customXml" ds:itemID="{5F1B15C2-B622-4464-872A-FFB13E3A35CE}">
+  <ds:schemaRefs>
+    <ds:schemaRef ds:uri="http://schemas.microsoft.com/sharepoint/v3/contenttype/forms"/>
+  </ds:schemaRefs>
+</ds:datastoreItem>
 </file>
 
-<file path=customXml/item3.xml><?xml version="1.0" encoding="utf-8"?>
-<?mso-contentType ?>
-<FormTemplates xmlns="http://schemas.microsoft.com/sharepoint/v3/contenttype/forms">
-  <Display>DocumentLibraryForm</Display>
-  <Edit>DocumentLibraryForm</Edit>
-  <New>DocumentLibraryForm</New>
-</FormTemplates>
+<file path=customXml/itemProps2.xml><?xml version="1.0" encoding="utf-8"?>
+<ds:datastoreItem xmlns:ds="http://schemas.openxmlformats.org/officeDocument/2006/customXml" ds:itemID="{0E439292-23DE-4FBC-B000-AFED89AC64F3}">
+  <ds:schemaRefs>
+    <ds:schemaRef ds:uri="http://schemas.microsoft.com/office/2006/metadata/properties"/>
+    <ds:schemaRef ds:uri="http://schemas.microsoft.com/office/infopath/2007/PartnerControls"/>
+    <ds:schemaRef ds:uri="http://schemas.microsoft.com/sharepoint/v3"/>
+    <ds:schemaRef ds:uri="71af3243-3dd4-4a8d-8c0d-dd76da1f02a5"/>
+    <ds:schemaRef ds:uri="230e9df3-be65-4c73-a93b-d1236ebd677e"/>
+  </ds:schemaRefs>
+</ds:datastoreItem>
 </file>
 
-<file path=customXml/itemProps1.xml><?xml version="1.0" encoding="utf-8"?>
+<file path=customXml/itemProps3.xml><?xml version="1.0" encoding="utf-8"?>
 <ds:datastoreItem xmlns:ds="http://schemas.openxmlformats.org/officeDocument/2006/customXml" ds:itemID="{065F1115-A9D1-4ADF-878E-8B9CEB141684}">
   <ds:schemaRefs>
     <ds:schemaRef ds:uri="http://schemas.microsoft.com/office/2006/metadata/contentType"/>
@@ -22041,26 +22860,6 @@
 </ds:datastoreItem>
 </file>
 
-<file path=customXml/itemProps2.xml><?xml version="1.0" encoding="utf-8"?>
-<ds:datastoreItem xmlns:ds="http://schemas.openxmlformats.org/officeDocument/2006/customXml" ds:itemID="{0E439292-23DE-4FBC-B000-AFED89AC64F3}">
-  <ds:schemaRefs>
-    <ds:schemaRef ds:uri="http://schemas.microsoft.com/office/2006/metadata/properties"/>
-    <ds:schemaRef ds:uri="http://schemas.microsoft.com/office/infopath/2007/PartnerControls"/>
-    <ds:schemaRef ds:uri="http://schemas.microsoft.com/sharepoint/v3"/>
-    <ds:schemaRef ds:uri="71af3243-3dd4-4a8d-8c0d-dd76da1f02a5"/>
-    <ds:schemaRef ds:uri="230e9df3-be65-4c73-a93b-d1236ebd677e"/>
-  </ds:schemaRefs>
-</ds:datastoreItem>
-</file>
-
-<file path=customXml/itemProps3.xml><?xml version="1.0" encoding="utf-8"?>
-<ds:datastoreItem xmlns:ds="http://schemas.openxmlformats.org/officeDocument/2006/customXml" ds:itemID="{5F1B15C2-B622-4464-872A-FFB13E3A35CE}">
-  <ds:schemaRefs>
-    <ds:schemaRef ds:uri="http://schemas.microsoft.com/sharepoint/v3/contenttype/forms"/>
-  </ds:schemaRefs>
-</ds:datastoreItem>
-</file>
-
 <file path=docMetadata/LabelInfo.xml><?xml version="1.0" encoding="utf-8"?>
 <clbl:labelList xmlns:clbl="http://schemas.microsoft.com/office/2020/mipLabelMetadata">
   <clbl:label id="{f42aa342-8706-4288-bd11-ebb85995028c}" enabled="1" method="Standard" siteId="{72f988bf-86f1-41af-91ab-2d7cd011db47}" removed="0"/>

--- a/Modelaje/Presentacion.pptx
+++ b/Modelaje/Presentacion.pptx
@@ -226,7 +226,7 @@
             <a:pPr rtl="0"/>
             <a:fld id="{20A3B274-2983-482A-AA4A-FD579F60A840}" type="datetime1">
               <a:rPr lang="es-ES" smtClean="0"/>
-              <a:t>17/02/2024</a:t>
+              <a:t>19/02/2024</a:t>
             </a:fld>
             <a:endParaRPr lang="es-ES"/>
           </a:p>
@@ -408,7 +408,7 @@
             <a:fld id="{561D8F66-D01E-4D44-9595-4555897CDD15}" type="datetime1">
               <a:rPr lang="es-ES" smtClean="0"/>
               <a:pPr/>
-              <a:t>17/02/2024</a:t>
+              <a:t>19/02/2024</a:t>
             </a:fld>
             <a:endParaRPr lang="es-ES" dirty="0"/>
           </a:p>
@@ -812,6 +812,94 @@
           <a:lstStyle/>
           <a:p>
             <a:r>
+              <a:rPr lang="es-ES"/>
+              <a:t>Estadisticas</a:t>
+            </a:r>
+          </a:p>
+        </p:txBody>
+      </p:sp>
+      <p:sp>
+        <p:nvSpPr>
+          <p:cNvPr id="4" name="Marcador de número de diapositiva 3"/>
+          <p:cNvSpPr>
+            <a:spLocks noGrp="1"/>
+          </p:cNvSpPr>
+          <p:nvPr>
+            <p:ph type="sldNum" sz="quarter" idx="5"/>
+          </p:nvPr>
+        </p:nvSpPr>
+        <p:spPr/>
+        <p:txBody>
+          <a:bodyPr/>
+          <a:lstStyle/>
+          <a:p>
+            <a:pPr rtl="0"/>
+            <a:fld id="{F5B62BC0-7DC4-4569-951D-2BB9475345C6}" type="slidenum">
+              <a:rPr lang="es-ES" noProof="0" smtClean="0"/>
+              <a:t>2</a:t>
+            </a:fld>
+            <a:endParaRPr lang="es-ES" noProof="0"/>
+          </a:p>
+        </p:txBody>
+      </p:sp>
+    </p:spTree>
+    <p:extLst>
+      <p:ext uri="{BB962C8B-B14F-4D97-AF65-F5344CB8AC3E}">
+        <p14:creationId xmlns:p14="http://schemas.microsoft.com/office/powerpoint/2010/main" val="2128891862"/>
+      </p:ext>
+    </p:extLst>
+  </p:cSld>
+  <p:clrMapOvr>
+    <a:masterClrMapping/>
+  </p:clrMapOvr>
+</p:notes>
+</file>
+
+<file path=ppt/notesSlides/notesSlide3.xml><?xml version="1.0" encoding="utf-8"?>
+<p:notes xmlns:a="http://schemas.openxmlformats.org/drawingml/2006/main" xmlns:r="http://schemas.openxmlformats.org/officeDocument/2006/relationships" xmlns:p="http://schemas.openxmlformats.org/presentationml/2006/main">
+  <p:cSld>
+    <p:spTree>
+      <p:nvGrpSpPr>
+        <p:cNvPr id="1" name=""/>
+        <p:cNvGrpSpPr/>
+        <p:nvPr/>
+      </p:nvGrpSpPr>
+      <p:grpSpPr>
+        <a:xfrm>
+          <a:off x="0" y="0"/>
+          <a:ext cx="0" cy="0"/>
+          <a:chOff x="0" y="0"/>
+          <a:chExt cx="0" cy="0"/>
+        </a:xfrm>
+      </p:grpSpPr>
+      <p:sp>
+        <p:nvSpPr>
+          <p:cNvPr id="2" name="Marcador de imagen de diapositiva 1"/>
+          <p:cNvSpPr>
+            <a:spLocks noGrp="1" noRot="1" noChangeAspect="1"/>
+          </p:cNvSpPr>
+          <p:nvPr>
+            <p:ph type="sldImg"/>
+          </p:nvPr>
+        </p:nvSpPr>
+        <p:spPr/>
+      </p:sp>
+      <p:sp>
+        <p:nvSpPr>
+          <p:cNvPr id="3" name="Marcador de notas 2"/>
+          <p:cNvSpPr>
+            <a:spLocks noGrp="1"/>
+          </p:cNvSpPr>
+          <p:nvPr>
+            <p:ph type="body" idx="1"/>
+          </p:nvPr>
+        </p:nvSpPr>
+        <p:spPr/>
+        <p:txBody>
+          <a:bodyPr/>
+          <a:lstStyle/>
+          <a:p>
+            <a:r>
               <a:rPr lang="es-ES" dirty="0"/>
               <a:t>También administran sus datos</a:t>
             </a:r>
@@ -855,7 +943,7 @@
 </p:notes>
 </file>
 
-<file path=ppt/notesSlides/notesSlide3.xml><?xml version="1.0" encoding="utf-8"?>
+<file path=ppt/notesSlides/notesSlide4.xml><?xml version="1.0" encoding="utf-8"?>
 <p:notes xmlns:a="http://schemas.openxmlformats.org/drawingml/2006/main" xmlns:r="http://schemas.openxmlformats.org/officeDocument/2006/relationships" xmlns:p="http://schemas.openxmlformats.org/presentationml/2006/main">
   <p:cSld>
     <p:spTree>
@@ -19842,7 +19930,7 @@
           </p:nvPr>
         </p:nvPicPr>
         <p:blipFill rotWithShape="1">
-          <a:blip r:embed="rId2"/>
+          <a:blip r:embed="rId3"/>
           <a:srcRect l="41529" t="11561" r="997"/>
           <a:stretch/>
         </p:blipFill>
@@ -20027,7 +20115,7 @@
           </p:nvPr>
         </p:nvPicPr>
         <p:blipFill rotWithShape="1">
-          <a:blip r:embed="rId3"/>
+          <a:blip r:embed="rId4"/>
           <a:srcRect r="1577"/>
           <a:stretch/>
         </p:blipFill>
@@ -22516,34 +22604,6 @@
 </file>
 
 <file path=customXml/item1.xml><?xml version="1.0" encoding="utf-8"?>
-<?mso-contentType ?>
-<FormTemplates xmlns="http://schemas.microsoft.com/sharepoint/v3/contenttype/forms">
-  <Display>DocumentLibraryForm</Display>
-  <Edit>DocumentLibraryForm</Edit>
-  <New>DocumentLibraryForm</New>
-</FormTemplates>
-</file>
-
-<file path=customXml/item2.xml><?xml version="1.0" encoding="utf-8"?>
-<p:properties xmlns:p="http://schemas.microsoft.com/office/2006/metadata/properties" xmlns:xsi="http://www.w3.org/2001/XMLSchema-instance" xmlns:pc="http://schemas.microsoft.com/office/infopath/2007/PartnerControls">
-  <documentManagement>
-    <_ip_UnifiedCompliancePolicyUIAction xmlns="http://schemas.microsoft.com/sharepoint/v3" xsi:nil="true"/>
-    <Image xmlns="71af3243-3dd4-4a8d-8c0d-dd76da1f02a5">
-      <Url xsi:nil="true"/>
-      <Description xsi:nil="true"/>
-    </Image>
-    <Status xmlns="71af3243-3dd4-4a8d-8c0d-dd76da1f02a5">Not started</Status>
-    <_ip_UnifiedCompliancePolicyProperties xmlns="http://schemas.microsoft.com/sharepoint/v3" xsi:nil="true"/>
-    <ImageTagsTaxHTField xmlns="71af3243-3dd4-4a8d-8c0d-dd76da1f02a5">
-      <Terms xmlns="http://schemas.microsoft.com/office/infopath/2007/PartnerControls"/>
-    </ImageTagsTaxHTField>
-    <TaxCatchAll xmlns="230e9df3-be65-4c73-a93b-d1236ebd677e"/>
-    <MediaServiceKeyPoints xmlns="71af3243-3dd4-4a8d-8c0d-dd76da1f02a5" xsi:nil="true"/>
-  </documentManagement>
-</p:properties>
-</file>
-
-<file path=customXml/item3.xml><?xml version="1.0" encoding="utf-8"?>
 <ct:contentTypeSchema xmlns:ct="http://schemas.microsoft.com/office/2006/metadata/contentType" xmlns:ma="http://schemas.microsoft.com/office/2006/metadata/properties/metaAttributes" ct:_="" ma:_="" ma:contentTypeName="Document" ma:contentTypeID="0x01010079F111ED35F8CC479449609E8A0923A6" ma:contentTypeVersion="20" ma:contentTypeDescription="Create a new document." ma:contentTypeScope="" ma:versionID="1267097ee5f5874adfcc408041ae252e">
   <xsd:schema xmlns:xsd="http://www.w3.org/2001/XMLSchema" xmlns:xs="http://www.w3.org/2001/XMLSchema" xmlns:p="http://schemas.microsoft.com/office/2006/metadata/properties" xmlns:ns1="http://schemas.microsoft.com/sharepoint/v3" xmlns:ns2="71af3243-3dd4-4a8d-8c0d-dd76da1f02a5" xmlns:ns3="16c05727-aa75-4e4a-9b5f-8a80a1165891" xmlns:ns4="230e9df3-be65-4c73-a93b-d1236ebd677e" targetNamespace="http://schemas.microsoft.com/office/2006/metadata/properties" ma:root="true" ma:fieldsID="395891a93df65b14727750f2c06c306c" ns1:_="" ns2:_="" ns3:_="" ns4:_="">
     <xsd:import namespace="http://schemas.microsoft.com/sharepoint/v3"/>
@@ -22819,27 +22879,35 @@
 </ct:contentTypeSchema>
 </file>
 
-<file path=customXml/itemProps1.xml><?xml version="1.0" encoding="utf-8"?>
-<ds:datastoreItem xmlns:ds="http://schemas.openxmlformats.org/officeDocument/2006/customXml" ds:itemID="{5F1B15C2-B622-4464-872A-FFB13E3A35CE}">
-  <ds:schemaRefs>
-    <ds:schemaRef ds:uri="http://schemas.microsoft.com/sharepoint/v3/contenttype/forms"/>
-  </ds:schemaRefs>
-</ds:datastoreItem>
+<file path=customXml/item2.xml><?xml version="1.0" encoding="utf-8"?>
+<p:properties xmlns:p="http://schemas.microsoft.com/office/2006/metadata/properties" xmlns:xsi="http://www.w3.org/2001/XMLSchema-instance" xmlns:pc="http://schemas.microsoft.com/office/infopath/2007/PartnerControls">
+  <documentManagement>
+    <_ip_UnifiedCompliancePolicyUIAction xmlns="http://schemas.microsoft.com/sharepoint/v3" xsi:nil="true"/>
+    <Image xmlns="71af3243-3dd4-4a8d-8c0d-dd76da1f02a5">
+      <Url xsi:nil="true"/>
+      <Description xsi:nil="true"/>
+    </Image>
+    <Status xmlns="71af3243-3dd4-4a8d-8c0d-dd76da1f02a5">Not started</Status>
+    <_ip_UnifiedCompliancePolicyProperties xmlns="http://schemas.microsoft.com/sharepoint/v3" xsi:nil="true"/>
+    <ImageTagsTaxHTField xmlns="71af3243-3dd4-4a8d-8c0d-dd76da1f02a5">
+      <Terms xmlns="http://schemas.microsoft.com/office/infopath/2007/PartnerControls"/>
+    </ImageTagsTaxHTField>
+    <TaxCatchAll xmlns="230e9df3-be65-4c73-a93b-d1236ebd677e"/>
+    <MediaServiceKeyPoints xmlns="71af3243-3dd4-4a8d-8c0d-dd76da1f02a5" xsi:nil="true"/>
+  </documentManagement>
+</p:properties>
 </file>
 
-<file path=customXml/itemProps2.xml><?xml version="1.0" encoding="utf-8"?>
-<ds:datastoreItem xmlns:ds="http://schemas.openxmlformats.org/officeDocument/2006/customXml" ds:itemID="{0E439292-23DE-4FBC-B000-AFED89AC64F3}">
-  <ds:schemaRefs>
-    <ds:schemaRef ds:uri="http://schemas.microsoft.com/office/2006/metadata/properties"/>
-    <ds:schemaRef ds:uri="http://schemas.microsoft.com/office/infopath/2007/PartnerControls"/>
-    <ds:schemaRef ds:uri="http://schemas.microsoft.com/sharepoint/v3"/>
-    <ds:schemaRef ds:uri="71af3243-3dd4-4a8d-8c0d-dd76da1f02a5"/>
-    <ds:schemaRef ds:uri="230e9df3-be65-4c73-a93b-d1236ebd677e"/>
-  </ds:schemaRefs>
-</ds:datastoreItem>
+<file path=customXml/item3.xml><?xml version="1.0" encoding="utf-8"?>
+<?mso-contentType ?>
+<FormTemplates xmlns="http://schemas.microsoft.com/sharepoint/v3/contenttype/forms">
+  <Display>DocumentLibraryForm</Display>
+  <Edit>DocumentLibraryForm</Edit>
+  <New>DocumentLibraryForm</New>
+</FormTemplates>
 </file>
 
-<file path=customXml/itemProps3.xml><?xml version="1.0" encoding="utf-8"?>
+<file path=customXml/itemProps1.xml><?xml version="1.0" encoding="utf-8"?>
 <ds:datastoreItem xmlns:ds="http://schemas.openxmlformats.org/officeDocument/2006/customXml" ds:itemID="{065F1115-A9D1-4ADF-878E-8B9CEB141684}">
   <ds:schemaRefs>
     <ds:schemaRef ds:uri="http://schemas.microsoft.com/office/2006/metadata/contentType"/>
@@ -22860,6 +22928,26 @@
 </ds:datastoreItem>
 </file>
 
+<file path=customXml/itemProps2.xml><?xml version="1.0" encoding="utf-8"?>
+<ds:datastoreItem xmlns:ds="http://schemas.openxmlformats.org/officeDocument/2006/customXml" ds:itemID="{0E439292-23DE-4FBC-B000-AFED89AC64F3}">
+  <ds:schemaRefs>
+    <ds:schemaRef ds:uri="http://schemas.microsoft.com/office/2006/metadata/properties"/>
+    <ds:schemaRef ds:uri="http://schemas.microsoft.com/office/infopath/2007/PartnerControls"/>
+    <ds:schemaRef ds:uri="http://schemas.microsoft.com/sharepoint/v3"/>
+    <ds:schemaRef ds:uri="71af3243-3dd4-4a8d-8c0d-dd76da1f02a5"/>
+    <ds:schemaRef ds:uri="230e9df3-be65-4c73-a93b-d1236ebd677e"/>
+  </ds:schemaRefs>
+</ds:datastoreItem>
+</file>
+
+<file path=customXml/itemProps3.xml><?xml version="1.0" encoding="utf-8"?>
+<ds:datastoreItem xmlns:ds="http://schemas.openxmlformats.org/officeDocument/2006/customXml" ds:itemID="{5F1B15C2-B622-4464-872A-FFB13E3A35CE}">
+  <ds:schemaRefs>
+    <ds:schemaRef ds:uri="http://schemas.microsoft.com/sharepoint/v3/contenttype/forms"/>
+  </ds:schemaRefs>
+</ds:datastoreItem>
+</file>
+
 <file path=docMetadata/LabelInfo.xml><?xml version="1.0" encoding="utf-8"?>
 <clbl:labelList xmlns:clbl="http://schemas.microsoft.com/office/2020/mipLabelMetadata">
   <clbl:label id="{f42aa342-8706-4288-bd11-ebb85995028c}" enabled="1" method="Standard" siteId="{72f988bf-86f1-41af-91ab-2d7cd011db47}" removed="0"/>
